--- a/KH_Slide.pptx
+++ b/KH_Slide.pptx
@@ -1338,7 +1338,7 @@
             <a:pPr rtl="0"/>
             <a:fld id="{048BED6C-5019-4821-BE0C-50F5043400F1}" type="datetime1">
               <a:rPr lang="fr-CA" smtClean="0"/>
-              <a:t>2021-10-03</a:t>
+              <a:t>2021-11-21</a:t>
             </a:fld>
             <a:endParaRPr lang="fr-CA"/>
           </a:p>
@@ -1520,7 +1520,7 @@
             <a:pPr rtl="0"/>
             <a:fld id="{1C5CFF9F-C68A-4C7B-B1A4-19366E6B5572}" type="datetime1">
               <a:rPr lang="fr-CA" noProof="0" smtClean="0"/>
-              <a:t>2021-10-03</a:t>
+              <a:t>2021-11-21</a:t>
             </a:fld>
             <a:endParaRPr lang="fr-CA" noProof="0"/>
           </a:p>
@@ -3753,7 +3753,7 @@
             <a:blip r:embed="rId2">
               <a:extLst>
                 <a:ext uri="{96DAC541-7B7A-43D3-8B79-37D633B846F1}">
-                  <asvg:svgBlip xmlns="" xmlns:asvg="http://schemas.microsoft.com/office/drawing/2016/SVG/main" r:embed="rId3"/>
+                  <asvg:svgBlip xmlns:asvg="http://schemas.microsoft.com/office/drawing/2016/SVG/main" xmlns="" r:embed="rId3"/>
                 </a:ext>
               </a:extLst>
             </a:blip>
@@ -6297,7 +6297,7 @@
           <a:blip r:embed="rId2">
             <a:extLst>
               <a:ext uri="{96DAC541-7B7A-43D3-8B79-37D633B846F1}">
-                <asvg:svgBlip xmlns="" xmlns:asvg="http://schemas.microsoft.com/office/drawing/2016/SVG/main" r:embed="rId3"/>
+                <asvg:svgBlip xmlns:asvg="http://schemas.microsoft.com/office/drawing/2016/SVG/main" xmlns="" r:embed="rId3"/>
               </a:ext>
             </a:extLst>
           </a:blip>
@@ -6567,7 +6567,7 @@
             <a:blip r:embed="rId2">
               <a:extLst>
                 <a:ext uri="{96DAC541-7B7A-43D3-8B79-37D633B846F1}">
-                  <asvg:svgBlip xmlns="" xmlns:asvg="http://schemas.microsoft.com/office/drawing/2016/SVG/main" r:embed="rId3"/>
+                  <asvg:svgBlip xmlns:asvg="http://schemas.microsoft.com/office/drawing/2016/SVG/main" xmlns="" r:embed="rId3"/>
                 </a:ext>
               </a:extLst>
             </a:blip>
@@ -7062,7 +7062,7 @@
             <a:blip r:embed="rId2">
               <a:extLst>
                 <a:ext uri="{96DAC541-7B7A-43D3-8B79-37D633B846F1}">
-                  <asvg:svgBlip xmlns="" xmlns:asvg="http://schemas.microsoft.com/office/drawing/2016/SVG/main" r:embed="rId3"/>
+                  <asvg:svgBlip xmlns:asvg="http://schemas.microsoft.com/office/drawing/2016/SVG/main" xmlns="" r:embed="rId3"/>
                 </a:ext>
               </a:extLst>
             </a:blip>
@@ -10688,7 +10688,7 @@
                 <a16:creationId xmlns:a16="http://schemas.microsoft.com/office/drawing/2014/main" id="{B6C8E487-ADDC-4F1B-A30A-BAABB4998F49}"/>
               </a:ext>
               <a:ext uri="{C183D7F6-B498-43B3-948B-1728B52AA6E4}">
-                <adec:decorative xmlns="" xmlns:adec="http://schemas.microsoft.com/office/drawing/2017/decorative" val="1"/>
+                <adec:decorative xmlns:adec="http://schemas.microsoft.com/office/drawing/2017/decorative" xmlns="" val="1"/>
               </a:ext>
             </a:extLst>
           </p:cNvPr>
@@ -10745,7 +10745,7 @@
                 <a16:creationId xmlns:a16="http://schemas.microsoft.com/office/drawing/2014/main" id="{11BEC607-8474-408E-A7AC-48A065F31B63}"/>
               </a:ext>
               <a:ext uri="{C183D7F6-B498-43B3-948B-1728B52AA6E4}">
-                <adec:decorative xmlns="" xmlns:adec="http://schemas.microsoft.com/office/drawing/2017/decorative" val="1"/>
+                <adec:decorative xmlns:adec="http://schemas.microsoft.com/office/drawing/2017/decorative" xmlns="" val="1"/>
               </a:ext>
             </a:extLst>
           </p:cNvPr>
@@ -10768,7 +10768,7 @@
                   <a16:creationId xmlns:a16="http://schemas.microsoft.com/office/drawing/2014/main" id="{B601E3FC-2016-4085-9A4B-A172702EAAE1}"/>
                 </a:ext>
                 <a:ext uri="{C183D7F6-B498-43B3-948B-1728B52AA6E4}">
-                  <adec:decorative xmlns="" xmlns:adec="http://schemas.microsoft.com/office/drawing/2017/decorative" val="1"/>
+                  <adec:decorative xmlns:adec="http://schemas.microsoft.com/office/drawing/2017/decorative" xmlns="" val="1"/>
                 </a:ext>
               </a:extLst>
             </p:cNvPr>
@@ -10840,7 +10840,7 @@
                   <a16:creationId xmlns:a16="http://schemas.microsoft.com/office/drawing/2014/main" id="{2CBF662F-A198-4AD3-8EBC-0EC9A52B2994}"/>
                 </a:ext>
                 <a:ext uri="{C183D7F6-B498-43B3-948B-1728B52AA6E4}">
-                  <adec:decorative xmlns="" xmlns:adec="http://schemas.microsoft.com/office/drawing/2017/decorative" val="1"/>
+                  <adec:decorative xmlns:adec="http://schemas.microsoft.com/office/drawing/2017/decorative" xmlns="" val="1"/>
                 </a:ext>
               </a:extLst>
             </p:cNvPr>
@@ -10895,7 +10895,7 @@
                   <a16:creationId xmlns:a16="http://schemas.microsoft.com/office/drawing/2014/main" id="{142E86C5-8E5F-4620-A4FB-D1F926179D18}"/>
                 </a:ext>
                 <a:ext uri="{C183D7F6-B498-43B3-948B-1728B52AA6E4}">
-                  <adec:decorative xmlns="" xmlns:adec="http://schemas.microsoft.com/office/drawing/2017/decorative" val="1"/>
+                  <adec:decorative xmlns:adec="http://schemas.microsoft.com/office/drawing/2017/decorative" xmlns="" val="1"/>
                 </a:ext>
               </a:extLst>
             </p:cNvPr>
@@ -10994,7 +10994,7 @@
             </a:r>
             <a:r>
               <a:rPr lang="fr-CA" dirty="0" smtClean="0"/>
-              <a:t>A1</a:t>
+              <a:t>A2</a:t>
             </a:r>
             <a:endParaRPr lang="fr-CA" dirty="0"/>
           </a:p>
@@ -11321,7 +11321,7 @@
                 <a16:creationId xmlns:a16="http://schemas.microsoft.com/office/drawing/2014/main" id="{CCC577CF-CED3-44B1-AC3E-05C2556B41F4}"/>
               </a:ext>
               <a:ext uri="{C183D7F6-B498-43B3-948B-1728B52AA6E4}">
-                <adec:decorative xmlns="" xmlns:adec="http://schemas.microsoft.com/office/drawing/2017/decorative" val="1"/>
+                <adec:decorative xmlns:adec="http://schemas.microsoft.com/office/drawing/2017/decorative" xmlns="" val="1"/>
               </a:ext>
             </a:extLst>
           </p:cNvPr>
@@ -11344,7 +11344,7 @@
                   <a16:creationId xmlns:a16="http://schemas.microsoft.com/office/drawing/2014/main" id="{875940B9-0338-4FFA-9747-10812F028FB7}"/>
                 </a:ext>
                 <a:ext uri="{C183D7F6-B498-43B3-948B-1728B52AA6E4}">
-                  <adec:decorative xmlns="" xmlns:adec="http://schemas.microsoft.com/office/drawing/2017/decorative" val="1"/>
+                  <adec:decorative xmlns:adec="http://schemas.microsoft.com/office/drawing/2017/decorative" xmlns="" val="1"/>
                 </a:ext>
               </a:extLst>
             </p:cNvPr>
@@ -11416,7 +11416,7 @@
                   <a16:creationId xmlns:a16="http://schemas.microsoft.com/office/drawing/2014/main" id="{D4B52C7E-3049-4545-956A-6D8F73F234DB}"/>
                 </a:ext>
                 <a:ext uri="{C183D7F6-B498-43B3-948B-1728B52AA6E4}">
-                  <adec:decorative xmlns="" xmlns:adec="http://schemas.microsoft.com/office/drawing/2017/decorative" val="1"/>
+                  <adec:decorative xmlns:adec="http://schemas.microsoft.com/office/drawing/2017/decorative" xmlns="" val="1"/>
                 </a:ext>
               </a:extLst>
             </p:cNvPr>
@@ -11475,7 +11475,7 @@
                   <a16:creationId xmlns:a16="http://schemas.microsoft.com/office/drawing/2014/main" id="{46669882-9FD4-41D7-A5A6-A4A2E44A2ABF}"/>
                 </a:ext>
                 <a:ext uri="{C183D7F6-B498-43B3-948B-1728B52AA6E4}">
-                  <adec:decorative xmlns="" xmlns:adec="http://schemas.microsoft.com/office/drawing/2017/decorative" val="1"/>
+                  <adec:decorative xmlns:adec="http://schemas.microsoft.com/office/drawing/2017/decorative" xmlns="" val="1"/>
                 </a:ext>
               </a:extLst>
             </p:cNvPr>
@@ -11488,7 +11488,7 @@
             <a:blip r:embed="rId5">
               <a:extLst>
                 <a:ext uri="{96DAC541-7B7A-43D3-8B79-37D633B846F1}">
-                  <asvg:svgBlip xmlns="" xmlns:asvg="http://schemas.microsoft.com/office/drawing/2016/SVG/main" r:embed="rId6"/>
+                  <asvg:svgBlip xmlns:asvg="http://schemas.microsoft.com/office/drawing/2016/SVG/main" xmlns="" r:embed="rId6"/>
                 </a:ext>
               </a:extLst>
             </a:blip>
@@ -11788,7 +11788,7 @@
                 <a16:creationId xmlns:a16="http://schemas.microsoft.com/office/drawing/2014/main" id="{1101DF86-6B00-49D3-9EFB-456055F79899}"/>
               </a:ext>
               <a:ext uri="{C183D7F6-B498-43B3-948B-1728B52AA6E4}">
-                <adec:decorative xmlns="" xmlns:adec="http://schemas.microsoft.com/office/drawing/2017/decorative" val="1"/>
+                <adec:decorative xmlns:adec="http://schemas.microsoft.com/office/drawing/2017/decorative" xmlns="" val="1"/>
               </a:ext>
             </a:extLst>
           </p:cNvPr>
@@ -11811,7 +11811,7 @@
                   <a16:creationId xmlns:a16="http://schemas.microsoft.com/office/drawing/2014/main" id="{551A06BE-4DC9-42C3-9272-4EF3E833D5F5}"/>
                 </a:ext>
                 <a:ext uri="{C183D7F6-B498-43B3-948B-1728B52AA6E4}">
-                  <adec:decorative xmlns="" xmlns:adec="http://schemas.microsoft.com/office/drawing/2017/decorative" val="1"/>
+                  <adec:decorative xmlns:adec="http://schemas.microsoft.com/office/drawing/2017/decorative" xmlns="" val="1"/>
                 </a:ext>
               </a:extLst>
             </p:cNvPr>
@@ -11883,7 +11883,7 @@
                   <a16:creationId xmlns:a16="http://schemas.microsoft.com/office/drawing/2014/main" id="{42A4A83C-0C6B-4A7C-B582-33988B027F16}"/>
                 </a:ext>
                 <a:ext uri="{C183D7F6-B498-43B3-948B-1728B52AA6E4}">
-                  <adec:decorative xmlns="" xmlns:adec="http://schemas.microsoft.com/office/drawing/2017/decorative" val="1"/>
+                  <adec:decorative xmlns:adec="http://schemas.microsoft.com/office/drawing/2017/decorative" xmlns="" val="1"/>
                 </a:ext>
               </a:extLst>
             </p:cNvPr>
@@ -11896,7 +11896,7 @@
             <a:blip r:embed="rId5">
               <a:extLst>
                 <a:ext uri="{96DAC541-7B7A-43D3-8B79-37D633B846F1}">
-                  <asvg:svgBlip xmlns="" xmlns:asvg="http://schemas.microsoft.com/office/drawing/2016/SVG/main" r:embed="rId6"/>
+                  <asvg:svgBlip xmlns:asvg="http://schemas.microsoft.com/office/drawing/2016/SVG/main" xmlns="" r:embed="rId6"/>
                 </a:ext>
               </a:extLst>
             </a:blip>
@@ -11922,7 +11922,7 @@
                   <a16:creationId xmlns:a16="http://schemas.microsoft.com/office/drawing/2014/main" id="{6568F216-4DE5-421A-A222-041B654BB87E}"/>
                 </a:ext>
                 <a:ext uri="{C183D7F6-B498-43B3-948B-1728B52AA6E4}">
-                  <adec:decorative xmlns="" xmlns:adec="http://schemas.microsoft.com/office/drawing/2017/decorative" val="1"/>
+                  <adec:decorative xmlns:adec="http://schemas.microsoft.com/office/drawing/2017/decorative" xmlns="" val="1"/>
                 </a:ext>
               </a:extLst>
             </p:cNvPr>
@@ -12464,7 +12464,7 @@
                 <a16:creationId xmlns:a16="http://schemas.microsoft.com/office/drawing/2014/main" id="{CDA17D7C-7C63-439C-8B50-C9B0F0F9AAF7}"/>
               </a:ext>
               <a:ext uri="{C183D7F6-B498-43B3-948B-1728B52AA6E4}">
-                <adec:decorative xmlns="" xmlns:adec="http://schemas.microsoft.com/office/drawing/2017/decorative" val="1"/>
+                <adec:decorative xmlns:adec="http://schemas.microsoft.com/office/drawing/2017/decorative" xmlns="" val="1"/>
               </a:ext>
             </a:extLst>
           </p:cNvPr>
@@ -12487,7 +12487,7 @@
                   <a16:creationId xmlns:a16="http://schemas.microsoft.com/office/drawing/2014/main" id="{C0DB13C1-B4FB-4D33-A199-5BB34983AB47}"/>
                 </a:ext>
                 <a:ext uri="{C183D7F6-B498-43B3-948B-1728B52AA6E4}">
-                  <adec:decorative xmlns="" xmlns:adec="http://schemas.microsoft.com/office/drawing/2017/decorative" val="1"/>
+                  <adec:decorative xmlns:adec="http://schemas.microsoft.com/office/drawing/2017/decorative" xmlns="" val="1"/>
                 </a:ext>
               </a:extLst>
             </p:cNvPr>
@@ -12559,7 +12559,7 @@
                   <a16:creationId xmlns:a16="http://schemas.microsoft.com/office/drawing/2014/main" id="{32FD79E9-DA87-4AE3-AB4F-454E8B1C7E28}"/>
                 </a:ext>
                 <a:ext uri="{C183D7F6-B498-43B3-948B-1728B52AA6E4}">
-                  <adec:decorative xmlns="" xmlns:adec="http://schemas.microsoft.com/office/drawing/2017/decorative" val="1"/>
+                  <adec:decorative xmlns:adec="http://schemas.microsoft.com/office/drawing/2017/decorative" xmlns="" val="1"/>
                 </a:ext>
               </a:extLst>
             </p:cNvPr>
@@ -12614,7 +12614,7 @@
                   <a16:creationId xmlns:a16="http://schemas.microsoft.com/office/drawing/2014/main" id="{97CAE694-E5D7-45D8-80CE-4067B6610E53}"/>
                 </a:ext>
                 <a:ext uri="{C183D7F6-B498-43B3-948B-1728B52AA6E4}">
-                  <adec:decorative xmlns="" xmlns:adec="http://schemas.microsoft.com/office/drawing/2017/decorative" val="1"/>
+                  <adec:decorative xmlns:adec="http://schemas.microsoft.com/office/drawing/2017/decorative" xmlns="" val="1"/>
                 </a:ext>
               </a:extLst>
             </p:cNvPr>
@@ -13401,7 +13401,7 @@
                 <a16:creationId xmlns:a16="http://schemas.microsoft.com/office/drawing/2014/main" id="{3FA6EA72-8286-456D-962A-635BD29FF580}"/>
               </a:ext>
               <a:ext uri="{C183D7F6-B498-43B3-948B-1728B52AA6E4}">
-                <adec:decorative xmlns="" xmlns:adec="http://schemas.microsoft.com/office/drawing/2017/decorative" val="1"/>
+                <adec:decorative xmlns:adec="http://schemas.microsoft.com/office/drawing/2017/decorative" xmlns="" val="1"/>
               </a:ext>
             </a:extLst>
           </p:cNvPr>
@@ -13456,7 +13456,7 @@
                 <a16:creationId xmlns:a16="http://schemas.microsoft.com/office/drawing/2014/main" id="{097B4C68-C77C-441E-92FB-B16A0472C0E5}"/>
               </a:ext>
               <a:ext uri="{C183D7F6-B498-43B3-948B-1728B52AA6E4}">
-                <adec:decorative xmlns="" xmlns:adec="http://schemas.microsoft.com/office/drawing/2017/decorative" val="1"/>
+                <adec:decorative xmlns:adec="http://schemas.microsoft.com/office/drawing/2017/decorative" xmlns="" val="1"/>
               </a:ext>
             </a:extLst>
           </p:cNvPr>
@@ -15410,7 +15410,7 @@
                 <a16:creationId xmlns:a16="http://schemas.microsoft.com/office/drawing/2014/main" id="{618826A1-4E90-405A-AE28-5500B0A362E3}"/>
               </a:ext>
               <a:ext uri="{C183D7F6-B498-43B3-948B-1728B52AA6E4}">
-                <adec:decorative xmlns="" xmlns:adec="http://schemas.microsoft.com/office/drawing/2017/decorative" val="1"/>
+                <adec:decorative xmlns:adec="http://schemas.microsoft.com/office/drawing/2017/decorative" xmlns="" val="1"/>
               </a:ext>
             </a:extLst>
           </p:cNvPr>
@@ -15482,7 +15482,7 @@
                 <a16:creationId xmlns:a16="http://schemas.microsoft.com/office/drawing/2014/main" id="{0783A1B7-34FF-4F2F-A68D-A3D22C770FCB}"/>
               </a:ext>
               <a:ext uri="{C183D7F6-B498-43B3-948B-1728B52AA6E4}">
-                <adec:decorative xmlns="" xmlns:adec="http://schemas.microsoft.com/office/drawing/2017/decorative" val="1"/>
+                <adec:decorative xmlns:adec="http://schemas.microsoft.com/office/drawing/2017/decorative" xmlns="" val="1"/>
               </a:ext>
             </a:extLst>
           </p:cNvPr>
@@ -15537,7 +15537,7 @@
                 <a16:creationId xmlns:a16="http://schemas.microsoft.com/office/drawing/2014/main" id="{3C1F0EB8-D260-4FB6-ACF6-6E86B9A02919}"/>
               </a:ext>
               <a:ext uri="{C183D7F6-B498-43B3-948B-1728B52AA6E4}">
-                <adec:decorative xmlns="" xmlns:adec="http://schemas.microsoft.com/office/drawing/2017/decorative" val="1"/>
+                <adec:decorative xmlns:adec="http://schemas.microsoft.com/office/drawing/2017/decorative" xmlns="" val="1"/>
               </a:ext>
             </a:extLst>
           </p:cNvPr>
@@ -15909,7 +15909,7 @@
                 <a16:creationId xmlns:a16="http://schemas.microsoft.com/office/drawing/2014/main" id="{B6C8E487-ADDC-4F1B-A30A-BAABB4998F49}"/>
               </a:ext>
               <a:ext uri="{C183D7F6-B498-43B3-948B-1728B52AA6E4}">
-                <adec:decorative xmlns="" xmlns:adec="http://schemas.microsoft.com/office/drawing/2017/decorative" val="1"/>
+                <adec:decorative xmlns:adec="http://schemas.microsoft.com/office/drawing/2017/decorative" xmlns="" val="1"/>
               </a:ext>
             </a:extLst>
           </p:cNvPr>
@@ -15966,7 +15966,7 @@
                 <a16:creationId xmlns:a16="http://schemas.microsoft.com/office/drawing/2014/main" id="{11BEC607-8474-408E-A7AC-48A065F31B63}"/>
               </a:ext>
               <a:ext uri="{C183D7F6-B498-43B3-948B-1728B52AA6E4}">
-                <adec:decorative xmlns="" xmlns:adec="http://schemas.microsoft.com/office/drawing/2017/decorative" val="1"/>
+                <adec:decorative xmlns:adec="http://schemas.microsoft.com/office/drawing/2017/decorative" xmlns="" val="1"/>
               </a:ext>
             </a:extLst>
           </p:cNvPr>
@@ -15989,7 +15989,7 @@
                   <a16:creationId xmlns:a16="http://schemas.microsoft.com/office/drawing/2014/main" id="{B601E3FC-2016-4085-9A4B-A172702EAAE1}"/>
                 </a:ext>
                 <a:ext uri="{C183D7F6-B498-43B3-948B-1728B52AA6E4}">
-                  <adec:decorative xmlns="" xmlns:adec="http://schemas.microsoft.com/office/drawing/2017/decorative" val="1"/>
+                  <adec:decorative xmlns:adec="http://schemas.microsoft.com/office/drawing/2017/decorative" xmlns="" val="1"/>
                 </a:ext>
               </a:extLst>
             </p:cNvPr>
@@ -16061,7 +16061,7 @@
                   <a16:creationId xmlns:a16="http://schemas.microsoft.com/office/drawing/2014/main" id="{2CBF662F-A198-4AD3-8EBC-0EC9A52B2994}"/>
                 </a:ext>
                 <a:ext uri="{C183D7F6-B498-43B3-948B-1728B52AA6E4}">
-                  <adec:decorative xmlns="" xmlns:adec="http://schemas.microsoft.com/office/drawing/2017/decorative" val="1"/>
+                  <adec:decorative xmlns:adec="http://schemas.microsoft.com/office/drawing/2017/decorative" xmlns="" val="1"/>
                 </a:ext>
               </a:extLst>
             </p:cNvPr>
@@ -16116,7 +16116,7 @@
                   <a16:creationId xmlns:a16="http://schemas.microsoft.com/office/drawing/2014/main" id="{142E86C5-8E5F-4620-A4FB-D1F926179D18}"/>
                 </a:ext>
                 <a:ext uri="{C183D7F6-B498-43B3-948B-1728B52AA6E4}">
-                  <adec:decorative xmlns="" xmlns:adec="http://schemas.microsoft.com/office/drawing/2017/decorative" val="1"/>
+                  <adec:decorative xmlns:adec="http://schemas.microsoft.com/office/drawing/2017/decorative" xmlns="" val="1"/>
                 </a:ext>
               </a:extLst>
             </p:cNvPr>
@@ -17181,6 +17181,23 @@
 </file>
 
 <file path=customXml/item1.xml><?xml version="1.0" encoding="utf-8"?>
+<?mso-contentType ?>
+<FormTemplates xmlns="http://schemas.microsoft.com/sharepoint/v3/contenttype/forms">
+  <Display>DocumentLibraryForm</Display>
+  <Edit>DocumentLibraryForm</Edit>
+  <New>DocumentLibraryForm</New>
+</FormTemplates>
+</file>
+
+<file path=customXml/item2.xml><?xml version="1.0" encoding="utf-8"?>
+<p:properties xmlns:p="http://schemas.microsoft.com/office/2006/metadata/properties" xmlns:xsi="http://www.w3.org/2001/XMLSchema-instance" xmlns:pc="http://schemas.microsoft.com/office/infopath/2007/PartnerControls">
+  <documentManagement>
+    <MediaServiceKeyPoints xmlns="71af3243-3dd4-4a8d-8c0d-dd76da1f02a5" xsi:nil="true"/>
+  </documentManagement>
+</p:properties>
+</file>
+
+<file path=customXml/item3.xml><?xml version="1.0" encoding="utf-8"?>
 <ct:contentTypeSchema xmlns:ct="http://schemas.microsoft.com/office/2006/metadata/contentType" xmlns:ma="http://schemas.microsoft.com/office/2006/metadata/properties/metaAttributes" ct:_="" ma:_="" ma:contentTypeName="Document" ma:contentTypeID="0x01010079F111ED35F8CC479449609E8A0923A6" ma:contentTypeVersion="11" ma:contentTypeDescription="Create a new document." ma:contentTypeScope="" ma:versionID="96291512c1ee715ab617f4c07df79fc1">
   <xsd:schema xmlns:xsd="http://www.w3.org/2001/XMLSchema" xmlns:xs="http://www.w3.org/2001/XMLSchema" xmlns:p="http://schemas.microsoft.com/office/2006/metadata/properties" xmlns:ns2="71af3243-3dd4-4a8d-8c0d-dd76da1f02a5" xmlns:ns3="16c05727-aa75-4e4a-9b5f-8a80a1165891" targetNamespace="http://schemas.microsoft.com/office/2006/metadata/properties" ma:root="true" ma:fieldsID="8256c27c40ca5c40ce1cf6c44f0205df" ns2:_="" ns3:_="">
     <xsd:import namespace="71af3243-3dd4-4a8d-8c0d-dd76da1f02a5"/>
@@ -17391,38 +17408,10 @@
 </ct:contentTypeSchema>
 </file>
 
-<file path=customXml/item2.xml><?xml version="1.0" encoding="utf-8"?>
-<p:properties xmlns:p="http://schemas.microsoft.com/office/2006/metadata/properties" xmlns:xsi="http://www.w3.org/2001/XMLSchema-instance" xmlns:pc="http://schemas.microsoft.com/office/infopath/2007/PartnerControls">
-  <documentManagement>
-    <MediaServiceKeyPoints xmlns="71af3243-3dd4-4a8d-8c0d-dd76da1f02a5" xsi:nil="true"/>
-  </documentManagement>
-</p:properties>
-</file>
-
-<file path=customXml/item3.xml><?xml version="1.0" encoding="utf-8"?>
-<?mso-contentType ?>
-<FormTemplates xmlns="http://schemas.microsoft.com/sharepoint/v3/contenttype/forms">
-  <Display>DocumentLibraryForm</Display>
-  <Edit>DocumentLibraryForm</Edit>
-  <New>DocumentLibraryForm</New>
-</FormTemplates>
-</file>
-
 <file path=customXml/itemProps1.xml><?xml version="1.0" encoding="utf-8"?>
-<ds:datastoreItem xmlns:ds="http://schemas.openxmlformats.org/officeDocument/2006/customXml" ds:itemID="{12361ED8-85A0-453F-805C-6D9AF4A72B19}">
+<ds:datastoreItem xmlns:ds="http://schemas.openxmlformats.org/officeDocument/2006/customXml" ds:itemID="{865F1FAD-176C-4A03-BD9A-1520119CFB52}">
   <ds:schemaRefs>
-    <ds:schemaRef ds:uri="http://schemas.microsoft.com/office/2006/metadata/contentType"/>
-    <ds:schemaRef ds:uri="http://schemas.microsoft.com/office/2006/metadata/properties/metaAttributes"/>
-    <ds:schemaRef ds:uri="http://www.w3.org/2001/XMLSchema"/>
-    <ds:schemaRef ds:uri="http://schemas.microsoft.com/office/2006/metadata/properties"/>
-    <ds:schemaRef ds:uri="71af3243-3dd4-4a8d-8c0d-dd76da1f02a5"/>
-    <ds:schemaRef ds:uri="16c05727-aa75-4e4a-9b5f-8a80a1165891"/>
-    <ds:schemaRef ds:uri="http://schemas.microsoft.com/office/2006/documentManagement/types"/>
-    <ds:schemaRef ds:uri="http://schemas.microsoft.com/office/infopath/2007/PartnerControls"/>
-    <ds:schemaRef ds:uri="http://schemas.openxmlformats.org/package/2006/metadata/core-properties"/>
-    <ds:schemaRef ds:uri="http://purl.org/dc/elements/1.1/"/>
-    <ds:schemaRef ds:uri="http://purl.org/dc/terms/"/>
-    <ds:schemaRef ds:uri="http://schemas.microsoft.com/internal/obd"/>
+    <ds:schemaRef ds:uri="http://schemas.microsoft.com/sharepoint/v3/contenttype/forms"/>
   </ds:schemaRefs>
 </ds:datastoreItem>
 </file>
@@ -17445,9 +17434,20 @@
 </file>
 
 <file path=customXml/itemProps3.xml><?xml version="1.0" encoding="utf-8"?>
-<ds:datastoreItem xmlns:ds="http://schemas.openxmlformats.org/officeDocument/2006/customXml" ds:itemID="{865F1FAD-176C-4A03-BD9A-1520119CFB52}">
+<ds:datastoreItem xmlns:ds="http://schemas.openxmlformats.org/officeDocument/2006/customXml" ds:itemID="{12361ED8-85A0-453F-805C-6D9AF4A72B19}">
   <ds:schemaRefs>
-    <ds:schemaRef ds:uri="http://schemas.microsoft.com/sharepoint/v3/contenttype/forms"/>
+    <ds:schemaRef ds:uri="http://schemas.microsoft.com/office/2006/metadata/contentType"/>
+    <ds:schemaRef ds:uri="http://schemas.microsoft.com/office/2006/metadata/properties/metaAttributes"/>
+    <ds:schemaRef ds:uri="http://www.w3.org/2001/XMLSchema"/>
+    <ds:schemaRef ds:uri="http://schemas.microsoft.com/office/2006/metadata/properties"/>
+    <ds:schemaRef ds:uri="71af3243-3dd4-4a8d-8c0d-dd76da1f02a5"/>
+    <ds:schemaRef ds:uri="16c05727-aa75-4e4a-9b5f-8a80a1165891"/>
+    <ds:schemaRef ds:uri="http://schemas.microsoft.com/office/2006/documentManagement/types"/>
+    <ds:schemaRef ds:uri="http://schemas.microsoft.com/office/infopath/2007/PartnerControls"/>
+    <ds:schemaRef ds:uri="http://schemas.openxmlformats.org/package/2006/metadata/core-properties"/>
+    <ds:schemaRef ds:uri="http://purl.org/dc/elements/1.1/"/>
+    <ds:schemaRef ds:uri="http://purl.org/dc/terms/"/>
+    <ds:schemaRef ds:uri="http://schemas.microsoft.com/internal/obd"/>
   </ds:schemaRefs>
 </ds:datastoreItem>
 </file>